--- a/Data_vis_ggplot2.pptx
+++ b/Data_vis_ggplot2.pptx
@@ -416,7 +416,7 @@
           <a:p>
             <a:fld id="{E80C50CD-E178-4744-9B35-B2F624D6C5E9}" type="datetimeFigureOut">
               <a:rPr lang="en-US" smtClean="0"/>
-              <a:t>11/27/25</a:t>
+              <a:t>2/26/26</a:t>
             </a:fld>
             <a:endParaRPr lang="en-US"/>
           </a:p>
@@ -614,7 +614,7 @@
           <a:p>
             <a:fld id="{E80C50CD-E178-4744-9B35-B2F624D6C5E9}" type="datetimeFigureOut">
               <a:rPr lang="en-US" smtClean="0"/>
-              <a:t>11/27/25</a:t>
+              <a:t>2/26/26</a:t>
             </a:fld>
             <a:endParaRPr lang="en-US"/>
           </a:p>
@@ -822,7 +822,7 @@
           <a:p>
             <a:fld id="{E80C50CD-E178-4744-9B35-B2F624D6C5E9}" type="datetimeFigureOut">
               <a:rPr lang="en-US" smtClean="0"/>
-              <a:t>11/27/25</a:t>
+              <a:t>2/26/26</a:t>
             </a:fld>
             <a:endParaRPr lang="en-US"/>
           </a:p>
@@ -1072,7 +1072,7 @@
           <a:p>
             <a:fld id="{E80C50CD-E178-4744-9B35-B2F624D6C5E9}" type="datetimeFigureOut">
               <a:rPr lang="en-US" smtClean="0"/>
-              <a:t>11/27/25</a:t>
+              <a:t>2/26/26</a:t>
             </a:fld>
             <a:endParaRPr lang="en-US"/>
           </a:p>
@@ -1351,7 +1351,7 @@
           <a:p>
             <a:fld id="{E80C50CD-E178-4744-9B35-B2F624D6C5E9}" type="datetimeFigureOut">
               <a:rPr lang="en-US" smtClean="0"/>
-              <a:t>11/27/25</a:t>
+              <a:t>2/26/26</a:t>
             </a:fld>
             <a:endParaRPr lang="en-US"/>
           </a:p>
@@ -1668,7 +1668,7 @@
           <a:p>
             <a:fld id="{E80C50CD-E178-4744-9B35-B2F624D6C5E9}" type="datetimeFigureOut">
               <a:rPr lang="en-US" smtClean="0"/>
-              <a:t>11/27/25</a:t>
+              <a:t>2/26/26</a:t>
             </a:fld>
             <a:endParaRPr lang="en-US"/>
           </a:p>
@@ -2084,7 +2084,7 @@
           <a:p>
             <a:fld id="{E80C50CD-E178-4744-9B35-B2F624D6C5E9}" type="datetimeFigureOut">
               <a:rPr lang="en-US" smtClean="0"/>
-              <a:t>11/27/25</a:t>
+              <a:t>2/26/26</a:t>
             </a:fld>
             <a:endParaRPr lang="en-US"/>
           </a:p>
@@ -2225,7 +2225,7 @@
           <a:p>
             <a:fld id="{E80C50CD-E178-4744-9B35-B2F624D6C5E9}" type="datetimeFigureOut">
               <a:rPr lang="en-US" smtClean="0"/>
-              <a:t>11/27/25</a:t>
+              <a:t>2/26/26</a:t>
             </a:fld>
             <a:endParaRPr lang="en-US"/>
           </a:p>
@@ -2338,7 +2338,7 @@
           <a:p>
             <a:fld id="{E80C50CD-E178-4744-9B35-B2F624D6C5E9}" type="datetimeFigureOut">
               <a:rPr lang="en-US" smtClean="0"/>
-              <a:t>11/27/25</a:t>
+              <a:t>2/26/26</a:t>
             </a:fld>
             <a:endParaRPr lang="en-US"/>
           </a:p>
@@ -2655,7 +2655,7 @@
           <a:p>
             <a:fld id="{E80C50CD-E178-4744-9B35-B2F624D6C5E9}" type="datetimeFigureOut">
               <a:rPr lang="en-US" smtClean="0"/>
-              <a:t>11/27/25</a:t>
+              <a:t>2/26/26</a:t>
             </a:fld>
             <a:endParaRPr lang="en-US"/>
           </a:p>
@@ -2947,7 +2947,7 @@
           <a:p>
             <a:fld id="{E80C50CD-E178-4744-9B35-B2F624D6C5E9}" type="datetimeFigureOut">
               <a:rPr lang="en-US" smtClean="0"/>
-              <a:t>11/27/25</a:t>
+              <a:t>2/26/26</a:t>
             </a:fld>
             <a:endParaRPr lang="en-US"/>
           </a:p>
@@ -3187,7 +3187,7 @@
             <a:fld id="{E80C50CD-E178-4744-9B35-B2F624D6C5E9}" type="datetimeFigureOut">
               <a:rPr lang="en-US" smtClean="0"/>
               <a:pPr/>
-              <a:t>11/27/25</a:t>
+              <a:t>2/26/26</a:t>
             </a:fld>
             <a:endParaRPr lang="en-US"/>
           </a:p>
@@ -4039,7 +4039,7 @@
             <a:pPr algn="ctr"/>
             <a:r>
               <a:rPr lang="en-US" dirty="0"/>
-              <a:t>01.12.2025</a:t>
+              <a:t>27.02.2026</a:t>
             </a:r>
           </a:p>
         </p:txBody>
@@ -9848,7 +9848,7 @@
                 <a:latin typeface="Calibri"/>
                 <a:hlinkClick r:id="rId2"/>
               </a:rPr>
-              <a:t>https://github.com/Chelysheva/data_vis_ggplot2_Dec2025</a:t>
+              <a:t>https://github.com/Chelysheva/data_vis_ggplot2_Feb2026</a:t>
             </a:r>
             <a:r>
               <a:rPr lang="en-US" sz="1600" spc="-1" dirty="0">
@@ -11131,16 +11131,7 @@
                 </a:solidFill>
                 <a:latin typeface="Calibri"/>
               </a:rPr>
-              <a:t> - biological programming and algorithmic challenges (mainly geared towards python, but can be solved using R </a:t>
-            </a:r>
-            <a:r>
-              <a:rPr lang="en-GB" sz="2180" spc="-1">
-                <a:solidFill>
-                  <a:srgbClr val="000000"/>
-                </a:solidFill>
-                <a:latin typeface="Calibri"/>
-              </a:rPr>
-              <a:t>as well)</a:t>
+              <a:t> - biological programming and algorithmic challenges (mainly geared towards python, but can be solved using R as well)</a:t>
             </a:r>
             <a:endParaRPr lang="en-GB" sz="2180" spc="-1" dirty="0">
               <a:latin typeface="Arial"/>

--- a/Data_vis_ggplot2.pptx
+++ b/Data_vis_ggplot2.pptx
@@ -25,8 +25,10 @@
     <p:sldId id="258" r:id="rId19"/>
     <p:sldId id="259" r:id="rId20"/>
     <p:sldId id="280" r:id="rId21"/>
-    <p:sldId id="278" r:id="rId22"/>
-    <p:sldId id="302" r:id="rId23"/>
+    <p:sldId id="273" r:id="rId22"/>
+    <p:sldId id="274" r:id="rId23"/>
+    <p:sldId id="278" r:id="rId24"/>
+    <p:sldId id="302" r:id="rId25"/>
   </p:sldIdLst>
   <p:sldSz cx="12192000" cy="6858000"/>
   <p:notesSz cx="6858000" cy="9144000"/>
@@ -416,7 +418,7 @@
           <a:p>
             <a:fld id="{E80C50CD-E178-4744-9B35-B2F624D6C5E9}" type="datetimeFigureOut">
               <a:rPr lang="en-US" smtClean="0"/>
-              <a:t>2/26/26</a:t>
+              <a:t>2/27/26</a:t>
             </a:fld>
             <a:endParaRPr lang="en-US"/>
           </a:p>
@@ -614,7 +616,7 @@
           <a:p>
             <a:fld id="{E80C50CD-E178-4744-9B35-B2F624D6C5E9}" type="datetimeFigureOut">
               <a:rPr lang="en-US" smtClean="0"/>
-              <a:t>2/26/26</a:t>
+              <a:t>2/27/26</a:t>
             </a:fld>
             <a:endParaRPr lang="en-US"/>
           </a:p>
@@ -822,7 +824,7 @@
           <a:p>
             <a:fld id="{E80C50CD-E178-4744-9B35-B2F624D6C5E9}" type="datetimeFigureOut">
               <a:rPr lang="en-US" smtClean="0"/>
-              <a:t>2/26/26</a:t>
+              <a:t>2/27/26</a:t>
             </a:fld>
             <a:endParaRPr lang="en-US"/>
           </a:p>
@@ -1072,7 +1074,7 @@
           <a:p>
             <a:fld id="{E80C50CD-E178-4744-9B35-B2F624D6C5E9}" type="datetimeFigureOut">
               <a:rPr lang="en-US" smtClean="0"/>
-              <a:t>2/26/26</a:t>
+              <a:t>2/27/26</a:t>
             </a:fld>
             <a:endParaRPr lang="en-US"/>
           </a:p>
@@ -1351,7 +1353,7 @@
           <a:p>
             <a:fld id="{E80C50CD-E178-4744-9B35-B2F624D6C5E9}" type="datetimeFigureOut">
               <a:rPr lang="en-US" smtClean="0"/>
-              <a:t>2/26/26</a:t>
+              <a:t>2/27/26</a:t>
             </a:fld>
             <a:endParaRPr lang="en-US"/>
           </a:p>
@@ -1668,7 +1670,7 @@
           <a:p>
             <a:fld id="{E80C50CD-E178-4744-9B35-B2F624D6C5E9}" type="datetimeFigureOut">
               <a:rPr lang="en-US" smtClean="0"/>
-              <a:t>2/26/26</a:t>
+              <a:t>2/27/26</a:t>
             </a:fld>
             <a:endParaRPr lang="en-US"/>
           </a:p>
@@ -2084,7 +2086,7 @@
           <a:p>
             <a:fld id="{E80C50CD-E178-4744-9B35-B2F624D6C5E9}" type="datetimeFigureOut">
               <a:rPr lang="en-US" smtClean="0"/>
-              <a:t>2/26/26</a:t>
+              <a:t>2/27/26</a:t>
             </a:fld>
             <a:endParaRPr lang="en-US"/>
           </a:p>
@@ -2225,7 +2227,7 @@
           <a:p>
             <a:fld id="{E80C50CD-E178-4744-9B35-B2F624D6C5E9}" type="datetimeFigureOut">
               <a:rPr lang="en-US" smtClean="0"/>
-              <a:t>2/26/26</a:t>
+              <a:t>2/27/26</a:t>
             </a:fld>
             <a:endParaRPr lang="en-US"/>
           </a:p>
@@ -2338,7 +2340,7 @@
           <a:p>
             <a:fld id="{E80C50CD-E178-4744-9B35-B2F624D6C5E9}" type="datetimeFigureOut">
               <a:rPr lang="en-US" smtClean="0"/>
-              <a:t>2/26/26</a:t>
+              <a:t>2/27/26</a:t>
             </a:fld>
             <a:endParaRPr lang="en-US"/>
           </a:p>
@@ -2655,7 +2657,7 @@
           <a:p>
             <a:fld id="{E80C50CD-E178-4744-9B35-B2F624D6C5E9}" type="datetimeFigureOut">
               <a:rPr lang="en-US" smtClean="0"/>
-              <a:t>2/26/26</a:t>
+              <a:t>2/27/26</a:t>
             </a:fld>
             <a:endParaRPr lang="en-US"/>
           </a:p>
@@ -2947,7 +2949,7 @@
           <a:p>
             <a:fld id="{E80C50CD-E178-4744-9B35-B2F624D6C5E9}" type="datetimeFigureOut">
               <a:rPr lang="en-US" smtClean="0"/>
-              <a:t>2/26/26</a:t>
+              <a:t>2/27/26</a:t>
             </a:fld>
             <a:endParaRPr lang="en-US"/>
           </a:p>
@@ -3187,7 +3189,7 @@
             <a:fld id="{E80C50CD-E178-4744-9B35-B2F624D6C5E9}" type="datetimeFigureOut">
               <a:rPr lang="en-US" smtClean="0"/>
               <a:pPr/>
-              <a:t>2/26/26</a:t>
+              <a:t>2/27/26</a:t>
             </a:fld>
             <a:endParaRPr lang="en-US"/>
           </a:p>
@@ -10562,6 +10564,849 @@
       </p:grpSpPr>
       <p:sp>
         <p:nvSpPr>
+          <p:cNvPr id="367" name="CustomShape 1"/>
+          <p:cNvSpPr/>
+          <p:nvPr/>
+        </p:nvSpPr>
+        <p:spPr>
+          <a:xfrm>
+            <a:off x="1981200" y="274680"/>
+            <a:ext cx="8228520" cy="1141920"/>
+          </a:xfrm>
+          <a:prstGeom prst="rect">
+            <a:avLst/>
+          </a:prstGeom>
+          <a:noFill/>
+          <a:ln>
+            <a:noFill/>
+          </a:ln>
+        </p:spPr>
+        <p:style>
+          <a:lnRef idx="0">
+            <a:scrgbClr r="0" g="0" b="0"/>
+          </a:lnRef>
+          <a:fillRef idx="0">
+            <a:scrgbClr r="0" g="0" b="0"/>
+          </a:fillRef>
+          <a:effectRef idx="0">
+            <a:scrgbClr r="0" g="0" b="0"/>
+          </a:effectRef>
+          <a:fontRef idx="minor"/>
+        </p:style>
+        <p:txBody>
+          <a:bodyPr lIns="90000" tIns="45000" rIns="90000" bIns="45000" anchor="ctr">
+            <a:noAutofit/>
+          </a:bodyPr>
+          <a:lstStyle/>
+          <a:p>
+            <a:pPr algn="ctr">
+              <a:lnSpc>
+                <a:spcPct val="100000"/>
+              </a:lnSpc>
+            </a:pPr>
+            <a:r>
+              <a:rPr lang="en-GB" sz="3200" b="1" spc="-1" dirty="0">
+                <a:solidFill>
+                  <a:schemeClr val="tx2"/>
+                </a:solidFill>
+                <a:latin typeface="+mj-lt"/>
+                <a:ea typeface="DejaVu Sans"/>
+              </a:rPr>
+              <a:t>Real dataset</a:t>
+            </a:r>
+            <a:endParaRPr lang="en-GB" sz="3200" spc="-1" dirty="0">
+              <a:solidFill>
+                <a:schemeClr val="tx2"/>
+              </a:solidFill>
+              <a:latin typeface="+mj-lt"/>
+            </a:endParaRPr>
+          </a:p>
+        </p:txBody>
+      </p:sp>
+      <p:pic>
+        <p:nvPicPr>
+          <p:cNvPr id="368" name="Picture 4" descr="Text, timeline&#10;&#10;Description automatically generated"/>
+          <p:cNvPicPr/>
+          <p:nvPr/>
+        </p:nvPicPr>
+        <p:blipFill>
+          <a:blip r:embed="rId2"/>
+          <a:stretch/>
+        </p:blipFill>
+        <p:spPr>
+          <a:xfrm>
+            <a:off x="2328960" y="1154160"/>
+            <a:ext cx="7071480" cy="4798800"/>
+          </a:xfrm>
+          <a:prstGeom prst="rect">
+            <a:avLst/>
+          </a:prstGeom>
+          <a:ln>
+            <a:noFill/>
+          </a:ln>
+        </p:spPr>
+      </p:pic>
+      <p:sp>
+        <p:nvSpPr>
+          <p:cNvPr id="369" name="CustomShape 2"/>
+          <p:cNvSpPr/>
+          <p:nvPr/>
+        </p:nvSpPr>
+        <p:spPr>
+          <a:xfrm>
+            <a:off x="7019881" y="5952960"/>
+            <a:ext cx="4104360" cy="364320"/>
+          </a:xfrm>
+          <a:prstGeom prst="rect">
+            <a:avLst/>
+          </a:prstGeom>
+          <a:noFill/>
+          <a:ln>
+            <a:noFill/>
+          </a:ln>
+        </p:spPr>
+        <p:style>
+          <a:lnRef idx="0">
+            <a:scrgbClr r="0" g="0" b="0"/>
+          </a:lnRef>
+          <a:fillRef idx="0">
+            <a:scrgbClr r="0" g="0" b="0"/>
+          </a:fillRef>
+          <a:effectRef idx="0">
+            <a:scrgbClr r="0" g="0" b="0"/>
+          </a:effectRef>
+          <a:fontRef idx="minor"/>
+        </p:style>
+        <p:txBody>
+          <a:bodyPr lIns="90000" tIns="45000" rIns="90000" bIns="45000">
+            <a:spAutoFit/>
+          </a:bodyPr>
+          <a:lstStyle/>
+          <a:p>
+            <a:pPr>
+              <a:lnSpc>
+                <a:spcPct val="100000"/>
+              </a:lnSpc>
+            </a:pPr>
+            <a:r>
+              <a:rPr lang="en-GB" spc="-1" dirty="0">
+                <a:solidFill>
+                  <a:srgbClr val="000000"/>
+                </a:solidFill>
+                <a:ea typeface="Calibri"/>
+              </a:rPr>
+              <a:t>DOI: </a:t>
+            </a:r>
+            <a:r>
+              <a:rPr lang="en-GB" u="sng" spc="-1" dirty="0">
+                <a:solidFill>
+                  <a:srgbClr val="0000FF"/>
+                </a:solidFill>
+                <a:ea typeface="Calibri"/>
+                <a:hlinkClick r:id="rId3"/>
+              </a:rPr>
+              <a:t>10.1038/s41591-020-01194-5</a:t>
+            </a:r>
+            <a:endParaRPr lang="en-GB" spc="-1" dirty="0"/>
+          </a:p>
+        </p:txBody>
+      </p:sp>
+    </p:spTree>
+  </p:cSld>
+  <p:clrMapOvr>
+    <a:masterClrMapping/>
+  </p:clrMapOvr>
+  <mc:AlternateContent xmlns:mc="http://schemas.openxmlformats.org/markup-compatibility/2006" xmlns:p14="http://schemas.microsoft.com/office/powerpoint/2010/main">
+    <mc:Choice Requires="p14">
+      <p:transition spd="med" p14:dur="700">
+        <p:fade/>
+      </p:transition>
+    </mc:Choice>
+    <mc:Fallback xmlns="">
+      <p:transition spd="med">
+        <p:fade/>
+      </p:transition>
+    </mc:Fallback>
+  </mc:AlternateContent>
+</p:sld>
+</file>
+
+<file path=ppt/slides/slide22.xml><?xml version="1.0" encoding="utf-8"?>
+<p:sld xmlns:a="http://schemas.openxmlformats.org/drawingml/2006/main" xmlns:r="http://schemas.openxmlformats.org/officeDocument/2006/relationships" xmlns:p="http://schemas.openxmlformats.org/presentationml/2006/main">
+  <p:cSld>
+    <p:spTree>
+      <p:nvGrpSpPr>
+        <p:cNvPr id="1" name=""/>
+        <p:cNvGrpSpPr/>
+        <p:nvPr/>
+      </p:nvGrpSpPr>
+      <p:grpSpPr>
+        <a:xfrm>
+          <a:off x="0" y="0"/>
+          <a:ext cx="0" cy="0"/>
+          <a:chOff x="0" y="0"/>
+          <a:chExt cx="0" cy="0"/>
+        </a:xfrm>
+      </p:grpSpPr>
+      <p:sp>
+        <p:nvSpPr>
+          <p:cNvPr id="370" name="CustomShape 1"/>
+          <p:cNvSpPr/>
+          <p:nvPr/>
+        </p:nvSpPr>
+        <p:spPr>
+          <a:xfrm>
+            <a:off x="1981200" y="274680"/>
+            <a:ext cx="8228520" cy="1141920"/>
+          </a:xfrm>
+          <a:prstGeom prst="rect">
+            <a:avLst/>
+          </a:prstGeom>
+          <a:noFill/>
+          <a:ln>
+            <a:noFill/>
+          </a:ln>
+        </p:spPr>
+        <p:style>
+          <a:lnRef idx="0">
+            <a:scrgbClr r="0" g="0" b="0"/>
+          </a:lnRef>
+          <a:fillRef idx="0">
+            <a:scrgbClr r="0" g="0" b="0"/>
+          </a:fillRef>
+          <a:effectRef idx="0">
+            <a:scrgbClr r="0" g="0" b="0"/>
+          </a:effectRef>
+          <a:fontRef idx="minor"/>
+        </p:style>
+        <p:txBody>
+          <a:bodyPr lIns="90000" tIns="45000" rIns="90000" bIns="45000" anchor="ctr">
+            <a:noAutofit/>
+          </a:bodyPr>
+          <a:lstStyle/>
+          <a:p>
+            <a:pPr algn="ctr">
+              <a:lnSpc>
+                <a:spcPct val="100000"/>
+              </a:lnSpc>
+            </a:pPr>
+            <a:r>
+              <a:rPr lang="en-GB" sz="3200" b="1" spc="-1">
+                <a:solidFill>
+                  <a:schemeClr val="tx2"/>
+                </a:solidFill>
+                <a:latin typeface="+mj-lt"/>
+                <a:ea typeface="DejaVu Sans"/>
+              </a:rPr>
+              <a:t>Data to explore - MSD</a:t>
+            </a:r>
+            <a:endParaRPr lang="en-GB" sz="3200" spc="-1">
+              <a:solidFill>
+                <a:schemeClr val="tx2"/>
+              </a:solidFill>
+              <a:latin typeface="+mj-lt"/>
+            </a:endParaRPr>
+          </a:p>
+        </p:txBody>
+      </p:sp>
+      <p:pic>
+        <p:nvPicPr>
+          <p:cNvPr id="371" name="Picture 4" descr="Chart, box and whisker chart&#10;&#10;Description automatically generated"/>
+          <p:cNvPicPr/>
+          <p:nvPr/>
+        </p:nvPicPr>
+        <p:blipFill>
+          <a:blip r:embed="rId2"/>
+          <a:stretch/>
+        </p:blipFill>
+        <p:spPr>
+          <a:xfrm>
+            <a:off x="2770541" y="1251000"/>
+            <a:ext cx="6695640" cy="3938040"/>
+          </a:xfrm>
+          <a:prstGeom prst="rect">
+            <a:avLst/>
+          </a:prstGeom>
+          <a:ln>
+            <a:noFill/>
+          </a:ln>
+        </p:spPr>
+      </p:pic>
+      <p:sp>
+        <p:nvSpPr>
+          <p:cNvPr id="372" name="CustomShape 2"/>
+          <p:cNvSpPr/>
+          <p:nvPr/>
+        </p:nvSpPr>
+        <p:spPr>
+          <a:xfrm>
+            <a:off x="536801" y="5205600"/>
+            <a:ext cx="11259239" cy="1168097"/>
+          </a:xfrm>
+          <a:prstGeom prst="rect">
+            <a:avLst/>
+          </a:prstGeom>
+          <a:noFill/>
+          <a:ln>
+            <a:noFill/>
+          </a:ln>
+        </p:spPr>
+        <p:style>
+          <a:lnRef idx="0">
+            <a:scrgbClr r="0" g="0" b="0"/>
+          </a:lnRef>
+          <a:fillRef idx="0">
+            <a:scrgbClr r="0" g="0" b="0"/>
+          </a:fillRef>
+          <a:effectRef idx="0">
+            <a:scrgbClr r="0" g="0" b="0"/>
+          </a:effectRef>
+          <a:fontRef idx="minor"/>
+        </p:style>
+        <p:txBody>
+          <a:bodyPr wrap="square" lIns="90000" tIns="45000" rIns="90000" bIns="45000">
+            <a:spAutoFit/>
+          </a:bodyPr>
+          <a:lstStyle/>
+          <a:p>
+            <a:pPr>
+              <a:lnSpc>
+                <a:spcPct val="100000"/>
+              </a:lnSpc>
+            </a:pPr>
+            <a:r>
+              <a:rPr lang="en-GB" sz="1400" spc="-1" dirty="0">
+                <a:solidFill>
+                  <a:srgbClr val="000000"/>
+                </a:solidFill>
+                <a:ea typeface="Calibri"/>
+              </a:rPr>
+              <a:t>A multiplex cytokine analysis was performed on day 7 after vaccination using supernatants after antigen-specific stimulation of PBMCs from ChAdOx1 nCov-19 (red) and </a:t>
+            </a:r>
+            <a:r>
+              <a:rPr lang="en-GB" sz="1400" spc="-1" dirty="0" err="1">
+                <a:solidFill>
+                  <a:srgbClr val="000000"/>
+                </a:solidFill>
+                <a:ea typeface="Calibri"/>
+              </a:rPr>
+              <a:t>MenACWY</a:t>
+            </a:r>
+            <a:r>
+              <a:rPr lang="en-GB" sz="1400" spc="-1" dirty="0">
+                <a:solidFill>
+                  <a:srgbClr val="000000"/>
+                </a:solidFill>
+                <a:ea typeface="Calibri"/>
+              </a:rPr>
+              <a:t> (blue). Number of samples presented: </a:t>
+            </a:r>
+            <a:r>
+              <a:rPr lang="en-GB" sz="1400" spc="-1" dirty="0" err="1">
+                <a:solidFill>
+                  <a:srgbClr val="000000"/>
+                </a:solidFill>
+                <a:ea typeface="Calibri"/>
+              </a:rPr>
+              <a:t>MenACWY</a:t>
+            </a:r>
+            <a:r>
+              <a:rPr lang="en-GB" sz="1400" spc="-1" dirty="0">
+                <a:solidFill>
+                  <a:srgbClr val="000000"/>
+                </a:solidFill>
+                <a:ea typeface="Calibri"/>
+              </a:rPr>
+              <a:t>–ChAdOx1 nCov-19: IFN-</a:t>
+            </a:r>
+            <a:r>
+              <a:rPr lang="en-GB" sz="1400" spc="-1" dirty="0" err="1">
+                <a:solidFill>
+                  <a:srgbClr val="000000"/>
+                </a:solidFill>
+                <a:ea typeface="Calibri"/>
+              </a:rPr>
+              <a:t>γ</a:t>
+            </a:r>
+            <a:r>
+              <a:rPr lang="en-GB" sz="1400" spc="-1" dirty="0">
+                <a:solidFill>
+                  <a:srgbClr val="000000"/>
+                </a:solidFill>
+                <a:ea typeface="Calibri"/>
+              </a:rPr>
+              <a:t> (</a:t>
+            </a:r>
+            <a:r>
+              <a:rPr lang="en-GB" sz="1400" i="1" spc="-1" dirty="0">
+                <a:solidFill>
+                  <a:srgbClr val="000000"/>
+                </a:solidFill>
+                <a:ea typeface="Calibri"/>
+              </a:rPr>
+              <a:t>n</a:t>
+            </a:r>
+            <a:r>
+              <a:rPr lang="en-GB" sz="1400" spc="-1" dirty="0">
+                <a:solidFill>
+                  <a:srgbClr val="000000"/>
+                </a:solidFill>
+                <a:ea typeface="Calibri"/>
+              </a:rPr>
+              <a:t> = 40,40); IL-2 (</a:t>
+            </a:r>
+            <a:r>
+              <a:rPr lang="en-GB" sz="1400" i="1" spc="-1" dirty="0">
+                <a:solidFill>
+                  <a:srgbClr val="000000"/>
+                </a:solidFill>
+                <a:ea typeface="Calibri"/>
+              </a:rPr>
+              <a:t>n</a:t>
+            </a:r>
+            <a:r>
+              <a:rPr lang="en-GB" sz="1400" spc="-1" dirty="0">
+                <a:solidFill>
+                  <a:srgbClr val="000000"/>
+                </a:solidFill>
+                <a:ea typeface="Calibri"/>
+              </a:rPr>
+              <a:t> = 42,42); TNF-α (</a:t>
+            </a:r>
+            <a:r>
+              <a:rPr lang="en-GB" sz="1400" i="1" spc="-1" dirty="0">
+                <a:solidFill>
+                  <a:srgbClr val="000000"/>
+                </a:solidFill>
+                <a:ea typeface="Calibri"/>
+              </a:rPr>
+              <a:t>n</a:t>
+            </a:r>
+            <a:r>
+              <a:rPr lang="en-GB" sz="1400" spc="-1" dirty="0">
+                <a:solidFill>
+                  <a:srgbClr val="000000"/>
+                </a:solidFill>
+                <a:ea typeface="Calibri"/>
+              </a:rPr>
+              <a:t> = 40,41); IL-1β (</a:t>
+            </a:r>
+            <a:r>
+              <a:rPr lang="en-GB" sz="1400" i="1" spc="-1" dirty="0">
+                <a:solidFill>
+                  <a:srgbClr val="000000"/>
+                </a:solidFill>
+                <a:ea typeface="Calibri"/>
+              </a:rPr>
+              <a:t>n</a:t>
+            </a:r>
+            <a:r>
+              <a:rPr lang="en-GB" sz="1400" spc="-1" dirty="0">
+                <a:solidFill>
+                  <a:srgbClr val="000000"/>
+                </a:solidFill>
+                <a:ea typeface="Calibri"/>
+              </a:rPr>
+              <a:t> = 41,42); IL-12p70 (</a:t>
+            </a:r>
+            <a:r>
+              <a:rPr lang="en-GB" sz="1400" i="1" spc="-1" dirty="0">
+                <a:solidFill>
+                  <a:srgbClr val="000000"/>
+                </a:solidFill>
+                <a:ea typeface="Calibri"/>
+              </a:rPr>
+              <a:t>n</a:t>
+            </a:r>
+            <a:r>
+              <a:rPr lang="en-GB" sz="1400" spc="-1" dirty="0">
+                <a:solidFill>
+                  <a:srgbClr val="000000"/>
+                </a:solidFill>
+                <a:ea typeface="Calibri"/>
+              </a:rPr>
+              <a:t> = 38,28); IL-4 (</a:t>
+            </a:r>
+            <a:r>
+              <a:rPr lang="en-GB" sz="1400" i="1" spc="-1" dirty="0">
+                <a:solidFill>
+                  <a:srgbClr val="000000"/>
+                </a:solidFill>
+                <a:ea typeface="Calibri"/>
+              </a:rPr>
+              <a:t>n</a:t>
+            </a:r>
+            <a:r>
+              <a:rPr lang="en-GB" sz="1400" spc="-1" dirty="0">
+                <a:solidFill>
+                  <a:srgbClr val="000000"/>
+                </a:solidFill>
+                <a:ea typeface="Calibri"/>
+              </a:rPr>
+              <a:t> = 38,38); IL-10 (</a:t>
+            </a:r>
+            <a:r>
+              <a:rPr lang="en-GB" sz="1400" i="1" spc="-1" dirty="0">
+                <a:solidFill>
+                  <a:srgbClr val="000000"/>
+                </a:solidFill>
+                <a:ea typeface="Calibri"/>
+              </a:rPr>
+              <a:t>n</a:t>
+            </a:r>
+            <a:r>
+              <a:rPr lang="en-GB" sz="1400" spc="-1" dirty="0">
+                <a:solidFill>
+                  <a:srgbClr val="000000"/>
+                </a:solidFill>
+                <a:ea typeface="Calibri"/>
+              </a:rPr>
+              <a:t> = 41,39); IL-13 (</a:t>
+            </a:r>
+            <a:r>
+              <a:rPr lang="en-GB" sz="1400" i="1" spc="-1" dirty="0">
+                <a:solidFill>
+                  <a:srgbClr val="000000"/>
+                </a:solidFill>
+                <a:ea typeface="Calibri"/>
+              </a:rPr>
+              <a:t>n</a:t>
+            </a:r>
+            <a:r>
+              <a:rPr lang="en-GB" sz="1400" spc="-1" dirty="0">
+                <a:solidFill>
+                  <a:srgbClr val="000000"/>
+                </a:solidFill>
+                <a:ea typeface="Calibri"/>
+              </a:rPr>
+              <a:t> = 31,36); and IL-8 (</a:t>
+            </a:r>
+            <a:r>
+              <a:rPr lang="en-GB" sz="1400" i="1" spc="-1" dirty="0">
+                <a:solidFill>
+                  <a:srgbClr val="000000"/>
+                </a:solidFill>
+                <a:ea typeface="Calibri"/>
+              </a:rPr>
+              <a:t>n</a:t>
+            </a:r>
+            <a:r>
+              <a:rPr lang="en-GB" sz="1400" spc="-1" dirty="0">
+                <a:solidFill>
+                  <a:srgbClr val="000000"/>
+                </a:solidFill>
+                <a:ea typeface="Calibri"/>
+              </a:rPr>
+              <a:t> = 42,41). Individual data points are shown here as an aligned dot plot with lines showing the median with IQR. Significant differences were determined by two-tailed Mann–Whitney test with Bonferroni correction for multiple comparisons (***</a:t>
+            </a:r>
+            <a:r>
+              <a:rPr lang="en-GB" sz="1400" i="1" spc="-1" dirty="0">
+                <a:solidFill>
+                  <a:srgbClr val="000000"/>
+                </a:solidFill>
+                <a:ea typeface="Calibri"/>
+              </a:rPr>
+              <a:t>P</a:t>
+            </a:r>
+            <a:r>
+              <a:rPr lang="en-GB" sz="1400" spc="-1" dirty="0">
+                <a:solidFill>
+                  <a:srgbClr val="000000"/>
+                </a:solidFill>
+                <a:ea typeface="Calibri"/>
+              </a:rPr>
+              <a:t> &lt; 0.001; **</a:t>
+            </a:r>
+            <a:r>
+              <a:rPr lang="en-GB" sz="1400" i="1" spc="-1" dirty="0">
+                <a:solidFill>
+                  <a:srgbClr val="000000"/>
+                </a:solidFill>
+                <a:ea typeface="Calibri"/>
+              </a:rPr>
+              <a:t>P</a:t>
+            </a:r>
+            <a:r>
+              <a:rPr lang="en-GB" sz="1400" spc="-1" dirty="0">
+                <a:solidFill>
+                  <a:srgbClr val="000000"/>
+                </a:solidFill>
+                <a:ea typeface="Calibri"/>
+              </a:rPr>
+              <a:t> &lt; 0.01; *</a:t>
+            </a:r>
+            <a:r>
+              <a:rPr lang="en-GB" sz="1400" i="1" spc="-1" dirty="0">
+                <a:solidFill>
+                  <a:srgbClr val="000000"/>
+                </a:solidFill>
+                <a:ea typeface="Calibri"/>
+              </a:rPr>
+              <a:t>P</a:t>
+            </a:r>
+            <a:r>
+              <a:rPr lang="en-GB" sz="1400" spc="-1" dirty="0">
+                <a:solidFill>
+                  <a:srgbClr val="000000"/>
+                </a:solidFill>
+                <a:ea typeface="Calibri"/>
+              </a:rPr>
+              <a:t> &lt; 0.05).</a:t>
+            </a:r>
+            <a:endParaRPr lang="en-GB" sz="1400" spc="-1" dirty="0"/>
+          </a:p>
+        </p:txBody>
+      </p:sp>
+      <p:sp>
+        <p:nvSpPr>
+          <p:cNvPr id="373" name="CustomShape 3"/>
+          <p:cNvSpPr/>
+          <p:nvPr/>
+        </p:nvSpPr>
+        <p:spPr>
+          <a:xfrm>
+            <a:off x="3593141" y="1313280"/>
+            <a:ext cx="615960" cy="3951000"/>
+          </a:xfrm>
+          <a:prstGeom prst="rect">
+            <a:avLst/>
+          </a:prstGeom>
+          <a:noFill/>
+          <a:ln>
+            <a:round/>
+          </a:ln>
+        </p:spPr>
+        <p:style>
+          <a:lnRef idx="2">
+            <a:schemeClr val="accent2"/>
+          </a:lnRef>
+          <a:fillRef idx="1">
+            <a:schemeClr val="lt1"/>
+          </a:fillRef>
+          <a:effectRef idx="0">
+            <a:schemeClr val="accent2"/>
+          </a:effectRef>
+          <a:fontRef idx="minor"/>
+        </p:style>
+        <p:txBody>
+          <a:bodyPr/>
+          <a:lstStyle/>
+          <a:p>
+            <a:endParaRPr lang="en-US"/>
+          </a:p>
+        </p:txBody>
+      </p:sp>
+      <p:sp>
+        <p:nvSpPr>
+          <p:cNvPr id="374" name="CustomShape 4"/>
+          <p:cNvSpPr/>
+          <p:nvPr/>
+        </p:nvSpPr>
+        <p:spPr>
+          <a:xfrm>
+            <a:off x="4211621" y="1313280"/>
+            <a:ext cx="615960" cy="3951000"/>
+          </a:xfrm>
+          <a:prstGeom prst="rect">
+            <a:avLst/>
+          </a:prstGeom>
+          <a:noFill/>
+          <a:ln>
+            <a:round/>
+          </a:ln>
+        </p:spPr>
+        <p:style>
+          <a:lnRef idx="2">
+            <a:schemeClr val="accent2"/>
+          </a:lnRef>
+          <a:fillRef idx="1">
+            <a:schemeClr val="lt1"/>
+          </a:fillRef>
+          <a:effectRef idx="0">
+            <a:schemeClr val="accent2"/>
+          </a:effectRef>
+          <a:fontRef idx="minor"/>
+        </p:style>
+        <p:txBody>
+          <a:bodyPr/>
+          <a:lstStyle/>
+          <a:p>
+            <a:endParaRPr lang="en-US"/>
+          </a:p>
+        </p:txBody>
+      </p:sp>
+      <p:sp>
+        <p:nvSpPr>
+          <p:cNvPr id="375" name="CustomShape 5"/>
+          <p:cNvSpPr/>
+          <p:nvPr/>
+        </p:nvSpPr>
+        <p:spPr>
+          <a:xfrm>
+            <a:off x="5550461" y="1313280"/>
+            <a:ext cx="615960" cy="3951000"/>
+          </a:xfrm>
+          <a:prstGeom prst="rect">
+            <a:avLst/>
+          </a:prstGeom>
+          <a:noFill/>
+          <a:ln>
+            <a:round/>
+          </a:ln>
+        </p:spPr>
+        <p:style>
+          <a:lnRef idx="2">
+            <a:schemeClr val="accent2"/>
+          </a:lnRef>
+          <a:fillRef idx="1">
+            <a:schemeClr val="lt1"/>
+          </a:fillRef>
+          <a:effectRef idx="0">
+            <a:schemeClr val="accent2"/>
+          </a:effectRef>
+          <a:fontRef idx="minor"/>
+        </p:style>
+        <p:txBody>
+          <a:bodyPr/>
+          <a:lstStyle/>
+          <a:p>
+            <a:endParaRPr lang="en-US"/>
+          </a:p>
+        </p:txBody>
+      </p:sp>
+      <p:sp>
+        <p:nvSpPr>
+          <p:cNvPr id="376" name="CustomShape 6"/>
+          <p:cNvSpPr/>
+          <p:nvPr/>
+        </p:nvSpPr>
+        <p:spPr>
+          <a:xfrm>
+            <a:off x="7523261" y="1313280"/>
+            <a:ext cx="615960" cy="3951000"/>
+          </a:xfrm>
+          <a:prstGeom prst="rect">
+            <a:avLst/>
+          </a:prstGeom>
+          <a:noFill/>
+          <a:ln>
+            <a:round/>
+          </a:ln>
+        </p:spPr>
+        <p:style>
+          <a:lnRef idx="2">
+            <a:schemeClr val="accent2"/>
+          </a:lnRef>
+          <a:fillRef idx="1">
+            <a:schemeClr val="lt1"/>
+          </a:fillRef>
+          <a:effectRef idx="0">
+            <a:schemeClr val="accent2"/>
+          </a:effectRef>
+          <a:fontRef idx="minor"/>
+        </p:style>
+        <p:txBody>
+          <a:bodyPr/>
+          <a:lstStyle/>
+          <a:p>
+            <a:endParaRPr lang="en-US"/>
+          </a:p>
+        </p:txBody>
+      </p:sp>
+      <p:sp>
+        <p:nvSpPr>
+          <p:cNvPr id="377" name="CustomShape 7"/>
+          <p:cNvSpPr/>
+          <p:nvPr/>
+        </p:nvSpPr>
+        <p:spPr>
+          <a:xfrm>
+            <a:off x="2089421" y="1234440"/>
+            <a:ext cx="2742120" cy="364320"/>
+          </a:xfrm>
+          <a:prstGeom prst="rect">
+            <a:avLst/>
+          </a:prstGeom>
+          <a:noFill/>
+          <a:ln>
+            <a:noFill/>
+          </a:ln>
+        </p:spPr>
+        <p:style>
+          <a:lnRef idx="0">
+            <a:scrgbClr r="0" g="0" b="0"/>
+          </a:lnRef>
+          <a:fillRef idx="0">
+            <a:scrgbClr r="0" g="0" b="0"/>
+          </a:fillRef>
+          <a:effectRef idx="0">
+            <a:scrgbClr r="0" g="0" b="0"/>
+          </a:effectRef>
+          <a:fontRef idx="minor"/>
+        </p:style>
+        <p:txBody>
+          <a:bodyPr lIns="90000" tIns="45000" rIns="90000" bIns="45000">
+            <a:spAutoFit/>
+          </a:bodyPr>
+          <a:lstStyle/>
+          <a:p>
+            <a:pPr>
+              <a:lnSpc>
+                <a:spcPct val="100000"/>
+              </a:lnSpc>
+            </a:pPr>
+            <a:r>
+              <a:rPr lang="en-GB" spc="-1" dirty="0">
+                <a:solidFill>
+                  <a:srgbClr val="000000"/>
+                </a:solidFill>
+                <a:ea typeface="DejaVu Sans"/>
+              </a:rPr>
+              <a:t>Fig.1</a:t>
+            </a:r>
+            <a:endParaRPr lang="en-GB" spc="-1" dirty="0"/>
+          </a:p>
+        </p:txBody>
+      </p:sp>
+    </p:spTree>
+  </p:cSld>
+  <p:clrMapOvr>
+    <a:masterClrMapping/>
+  </p:clrMapOvr>
+  <mc:AlternateContent xmlns:mc="http://schemas.openxmlformats.org/markup-compatibility/2006" xmlns:p14="http://schemas.microsoft.com/office/powerpoint/2010/main">
+    <mc:Choice Requires="p14">
+      <p:transition spd="med" p14:dur="700">
+        <p:fade/>
+      </p:transition>
+    </mc:Choice>
+    <mc:Fallback xmlns="">
+      <p:transition spd="med">
+        <p:fade/>
+      </p:transition>
+    </mc:Fallback>
+  </mc:AlternateContent>
+</p:sld>
+</file>
+
+<file path=ppt/slides/slide23.xml><?xml version="1.0" encoding="utf-8"?>
+<p:sld xmlns:a="http://schemas.openxmlformats.org/drawingml/2006/main" xmlns:r="http://schemas.openxmlformats.org/officeDocument/2006/relationships" xmlns:p="http://schemas.openxmlformats.org/presentationml/2006/main">
+  <p:cSld>
+    <p:spTree>
+      <p:nvGrpSpPr>
+        <p:cNvPr id="1" name=""/>
+        <p:cNvGrpSpPr/>
+        <p:nvPr/>
+      </p:nvGrpSpPr>
+      <p:grpSpPr>
+        <a:xfrm>
+          <a:off x="0" y="0"/>
+          <a:ext cx="0" cy="0"/>
+          <a:chOff x="0" y="0"/>
+          <a:chExt cx="0" cy="0"/>
+        </a:xfrm>
+      </p:grpSpPr>
+      <p:sp>
+        <p:nvSpPr>
           <p:cNvPr id="388" name="CustomShape 1"/>
           <p:cNvSpPr/>
           <p:nvPr/>
@@ -10900,7 +11745,7 @@
 </p:sld>
 </file>
 
-<file path=ppt/slides/slide22.xml><?xml version="1.0" encoding="utf-8"?>
+<file path=ppt/slides/slide24.xml><?xml version="1.0" encoding="utf-8"?>
 <p:sld xmlns:a="http://schemas.openxmlformats.org/drawingml/2006/main" xmlns:r="http://schemas.openxmlformats.org/officeDocument/2006/relationships" xmlns:p="http://schemas.openxmlformats.org/presentationml/2006/main">
   <p:cSld>
     <p:spTree>
